--- a/docs/6_데이터매핑정의서/DB설계도면.pptx
+++ b/docs/6_데이터매핑정의서/DB설계도면.pptx
@@ -2978,7 +2978,7 @@
           <p:nvPr>
             <p:extLst>
               <p:ext uri="{D42A27DB-BD31-4B8C-83A1-F6EECF244321}">
-                <p14:modId xmlns:p14="http://schemas.microsoft.com/office/powerpoint/2010/main" val="3999139356"/>
+                <p14:modId xmlns:p14="http://schemas.microsoft.com/office/powerpoint/2010/main" val="488145401"/>
               </p:ext>
             </p:extLst>
           </p:nvPr>
@@ -3394,7 +3394,7 @@
                   </a:ext>
                 </a:extLst>
               </a:tr>
-              <a:tr h="126119">
+              <a:tr h="0">
                 <a:tc>
                   <a:txBody>
                     <a:bodyPr/>
@@ -5196,13 +5196,13 @@
           <p:nvPr>
             <p:extLst>
               <p:ext uri="{D42A27DB-BD31-4B8C-83A1-F6EECF244321}">
-                <p14:modId xmlns:p14="http://schemas.microsoft.com/office/powerpoint/2010/main" val="1174270440"/>
+                <p14:modId xmlns:p14="http://schemas.microsoft.com/office/powerpoint/2010/main" val="3950997157"/>
               </p:ext>
             </p:extLst>
           </p:nvPr>
         </p:nvGraphicFramePr>
         <p:xfrm>
-          <a:off x="2035156" y="3128259"/>
+          <a:off x="2074542" y="3581400"/>
           <a:ext cx="2335605" cy="3276600"/>
         </p:xfrm>
         <a:graphic>
@@ -6220,8 +6220,13 @@
                             <a:srgbClr val="FF0000"/>
                           </a:solidFill>
                         </a:rPr>
-                        <a:t>INT</a:t>
-                      </a:r>
+                        <a:t>VARCHAR</a:t>
+                      </a:r>
+                      <a:endParaRPr lang="en-US" altLang="ko-KR" sz="1100" dirty="0" smtClean="0">
+                        <a:solidFill>
+                          <a:srgbClr val="FF0000"/>
+                        </a:solidFill>
+                      </a:endParaRPr>
                     </a:p>
                   </a:txBody>
                   <a:tcPr>
@@ -6371,14 +6376,14 @@
           <p:nvPr>
             <p:extLst>
               <p:ext uri="{D42A27DB-BD31-4B8C-83A1-F6EECF244321}">
-                <p14:modId xmlns:p14="http://schemas.microsoft.com/office/powerpoint/2010/main" val="2332372913"/>
+                <p14:modId xmlns:p14="http://schemas.microsoft.com/office/powerpoint/2010/main" val="650063601"/>
               </p:ext>
             </p:extLst>
           </p:nvPr>
         </p:nvGraphicFramePr>
         <p:xfrm>
-          <a:off x="6396474" y="56951"/>
-          <a:ext cx="1222124" cy="1112520"/>
+          <a:off x="6339527" y="49331"/>
+          <a:ext cx="1345388" cy="1112520"/>
         </p:xfrm>
         <a:graphic>
           <a:graphicData uri="http://schemas.openxmlformats.org/drawingml/2006/table">
@@ -6387,7 +6392,7 @@
                 <a:tableStyleId>{7DF18680-E054-41AD-8BC1-D1AEF772440D}</a:tableStyleId>
               </a:tblPr>
               <a:tblGrid>
-                <a:gridCol w="1222124">
+                <a:gridCol w="1345388">
                   <a:extLst>
                     <a:ext uri="{9D8B030D-6E8A-4147-A177-3AD203B41FA5}">
                       <a16:colId xmlns:a16="http://schemas.microsoft.com/office/drawing/2014/main" val="1628425209"/>
@@ -6450,8 +6455,13 @@
                             <a:srgbClr val="FF0000"/>
                           </a:solidFill>
                         </a:rPr>
-                        <a:t>INT</a:t>
-                      </a:r>
+                        <a:t>VARCHAR</a:t>
+                      </a:r>
+                      <a:endParaRPr lang="en-US" altLang="ko-KR" sz="1100" dirty="0" smtClean="0">
+                        <a:solidFill>
+                          <a:srgbClr val="FF0000"/>
+                        </a:solidFill>
+                      </a:endParaRPr>
                     </a:p>
                   </a:txBody>
                   <a:tcPr>
@@ -6512,13 +6522,13 @@
           <p:nvPr>
             <p:extLst>
               <p:ext uri="{D42A27DB-BD31-4B8C-83A1-F6EECF244321}">
-                <p14:modId xmlns:p14="http://schemas.microsoft.com/office/powerpoint/2010/main" val="1244302687"/>
+                <p14:modId xmlns:p14="http://schemas.microsoft.com/office/powerpoint/2010/main" val="419715630"/>
               </p:ext>
             </p:extLst>
           </p:nvPr>
         </p:nvGraphicFramePr>
         <p:xfrm>
-          <a:off x="168843" y="49331"/>
+          <a:off x="64217" y="6090"/>
           <a:ext cx="2003389" cy="1722120"/>
         </p:xfrm>
         <a:graphic>
@@ -6707,8 +6717,21 @@
                             <a:srgbClr val="FF0000"/>
                           </a:solidFill>
                         </a:rPr>
-                        <a:t> INT</a:t>
-                      </a:r>
+                        <a:t> </a:t>
+                      </a:r>
+                      <a:r>
+                        <a:rPr lang="en-US" altLang="ko-KR" sz="1100" dirty="0" smtClean="0">
+                          <a:solidFill>
+                            <a:srgbClr val="FF0000"/>
+                          </a:solidFill>
+                        </a:rPr>
+                        <a:t>VARCHAR</a:t>
+                      </a:r>
+                      <a:endParaRPr lang="en-US" altLang="ko-KR" sz="1100" dirty="0" smtClean="0">
+                        <a:solidFill>
+                          <a:srgbClr val="FF0000"/>
+                        </a:solidFill>
+                      </a:endParaRPr>
                     </a:p>
                   </a:txBody>
                   <a:tcPr>
@@ -7002,6 +7025,247 @@
       </p:graphicFrame>
       <p:graphicFrame>
         <p:nvGraphicFramePr>
+          <p:cNvPr id="18" name="표 17"/>
+          <p:cNvGraphicFramePr>
+            <a:graphicFrameLocks noGrp="1"/>
+          </p:cNvGraphicFramePr>
+          <p:nvPr>
+            <p:extLst>
+              <p:ext uri="{D42A27DB-BD31-4B8C-83A1-F6EECF244321}">
+                <p14:modId xmlns:p14="http://schemas.microsoft.com/office/powerpoint/2010/main" val="3664676486"/>
+              </p:ext>
+            </p:extLst>
+          </p:nvPr>
+        </p:nvGraphicFramePr>
+        <p:xfrm>
+          <a:off x="4517596" y="69152"/>
+          <a:ext cx="1760536" cy="1455420"/>
+        </p:xfrm>
+        <a:graphic>
+          <a:graphicData uri="http://schemas.openxmlformats.org/drawingml/2006/table">
+            <a:tbl>
+              <a:tblPr firstRow="1" bandRow="1">
+                <a:tableStyleId>{7DF18680-E054-41AD-8BC1-D1AEF772440D}</a:tableStyleId>
+              </a:tblPr>
+              <a:tblGrid>
+                <a:gridCol w="1760536">
+                  <a:extLst>
+                    <a:ext uri="{9D8B030D-6E8A-4147-A177-3AD203B41FA5}">
+                      <a16:colId xmlns:a16="http://schemas.microsoft.com/office/drawing/2014/main" val="1628425209"/>
+                    </a:ext>
+                  </a:extLst>
+                </a:gridCol>
+              </a:tblGrid>
+              <a:tr h="254198">
+                <a:tc>
+                  <a:txBody>
+                    <a:bodyPr/>
+                    <a:lstStyle/>
+                    <a:p>
+                      <a:pPr latinLnBrk="1"/>
+                      <a:r>
+                        <a:rPr lang="ko-KR" altLang="en-US" sz="1100" dirty="0" err="1" smtClean="0"/>
+                        <a:t>트위치</a:t>
+                      </a:r>
+                      <a:r>
+                        <a:rPr lang="ko-KR" altLang="en-US" sz="1100" dirty="0" smtClean="0"/>
+                        <a:t> 채널 정보 </a:t>
+                      </a:r>
+                      <a:r>
+                        <a:rPr lang="en-US" altLang="ko-KR" sz="1100" dirty="0" err="1" smtClean="0"/>
+                        <a:t>twitch_channel</a:t>
+                      </a:r>
+                      <a:endParaRPr lang="ko-KR" altLang="en-US" sz="1100" dirty="0"/>
+                    </a:p>
+                  </a:txBody>
+                  <a:tcPr>
+                    <a:solidFill>
+                      <a:srgbClr val="9966FF"/>
+                    </a:solidFill>
+                  </a:tcPr>
+                </a:tc>
+                <a:extLst>
+                  <a:ext uri="{0D108BD9-81ED-4DB2-BD59-A6C34878D82A}">
+                    <a16:rowId xmlns:a16="http://schemas.microsoft.com/office/drawing/2014/main" val="2441104982"/>
+                  </a:ext>
+                </a:extLst>
+              </a:tr>
+              <a:tr h="248414">
+                <a:tc>
+                  <a:txBody>
+                    <a:bodyPr/>
+                    <a:lstStyle/>
+                    <a:p>
+                      <a:pPr latinLnBrk="1"/>
+                      <a:r>
+                        <a:rPr lang="ko-KR" altLang="en-US" sz="1050" dirty="0" err="1" smtClean="0"/>
+                        <a:t>스트리머</a:t>
+                      </a:r>
+                      <a:r>
+                        <a:rPr lang="ko-KR" altLang="en-US" sz="1050" dirty="0" smtClean="0"/>
+                        <a:t> </a:t>
+                      </a:r>
+                      <a:r>
+                        <a:rPr lang="en-US" altLang="ko-KR" sz="1050" dirty="0" smtClean="0"/>
+                        <a:t>ID</a:t>
+                      </a:r>
+                      <a:r>
+                        <a:rPr lang="en-US" altLang="ko-KR" sz="1050" baseline="0" dirty="0" smtClean="0"/>
+                        <a:t> </a:t>
+                      </a:r>
+                      <a:r>
+                        <a:rPr lang="en-US" altLang="ko-KR" sz="1050" dirty="0" smtClean="0">
+                          <a:solidFill>
+                            <a:srgbClr val="FF0000"/>
+                          </a:solidFill>
+                        </a:rPr>
+                        <a:t>VARCHAR</a:t>
+                      </a:r>
+                      <a:r>
+                        <a:rPr lang="en-US" altLang="ko-KR" sz="1050" baseline="0" dirty="0" smtClean="0">
+                          <a:solidFill>
+                            <a:srgbClr val="FF0000"/>
+                          </a:solidFill>
+                        </a:rPr>
+                        <a:t> </a:t>
+                      </a:r>
+                      <a:r>
+                        <a:rPr lang="en-US" altLang="ko-KR" sz="1050" dirty="0" smtClean="0">
+                          <a:solidFill>
+                            <a:schemeClr val="accent6">
+                              <a:lumMod val="50000"/>
+                            </a:schemeClr>
+                          </a:solidFill>
+                        </a:rPr>
+                        <a:t>PK</a:t>
+                      </a:r>
+                      <a:endParaRPr lang="en-US" altLang="ko-KR" sz="1050" dirty="0" smtClean="0"/>
+                    </a:p>
+                  </a:txBody>
+                  <a:tcPr>
+                    <a:solidFill>
+                      <a:srgbClr val="CCCCFF"/>
+                    </a:solidFill>
+                  </a:tcPr>
+                </a:tc>
+                <a:extLst>
+                  <a:ext uri="{0D108BD9-81ED-4DB2-BD59-A6C34878D82A}">
+                    <a16:rowId xmlns:a16="http://schemas.microsoft.com/office/drawing/2014/main" val="3832849648"/>
+                  </a:ext>
+                </a:extLst>
+              </a:tr>
+              <a:tr h="248414">
+                <a:tc>
+                  <a:txBody>
+                    <a:bodyPr/>
+                    <a:lstStyle/>
+                    <a:p>
+                      <a:pPr latinLnBrk="1"/>
+                      <a:r>
+                        <a:rPr lang="ko-KR" altLang="en-US" sz="1100" dirty="0" err="1" smtClean="0"/>
+                        <a:t>스트리머</a:t>
+                      </a:r>
+                      <a:r>
+                        <a:rPr lang="ko-KR" altLang="en-US" sz="1100" dirty="0" smtClean="0"/>
+                        <a:t> 이름 </a:t>
+                      </a:r>
+                      <a:r>
+                        <a:rPr lang="en-US" altLang="ko-KR" sz="1100" dirty="0" smtClean="0">
+                          <a:solidFill>
+                            <a:srgbClr val="FF0000"/>
+                          </a:solidFill>
+                        </a:rPr>
+                        <a:t>VARCHAR</a:t>
+                      </a:r>
+                      <a:endParaRPr lang="en-US" altLang="ko-KR" sz="1100" dirty="0" smtClean="0"/>
+                    </a:p>
+                  </a:txBody>
+                  <a:tcPr>
+                    <a:solidFill>
+                      <a:srgbClr val="9966FF"/>
+                    </a:solidFill>
+                  </a:tcPr>
+                </a:tc>
+                <a:extLst>
+                  <a:ext uri="{0D108BD9-81ED-4DB2-BD59-A6C34878D82A}">
+                    <a16:rowId xmlns:a16="http://schemas.microsoft.com/office/drawing/2014/main" val="669642124"/>
+                  </a:ext>
+                </a:extLst>
+              </a:tr>
+              <a:tr h="248414">
+                <a:tc>
+                  <a:txBody>
+                    <a:bodyPr/>
+                    <a:lstStyle/>
+                    <a:p>
+                      <a:pPr latinLnBrk="1"/>
+                      <a:r>
+                        <a:rPr lang="ko-KR" altLang="en-US" sz="1100" dirty="0" smtClean="0"/>
+                        <a:t>로고 </a:t>
+                      </a:r>
+                      <a:r>
+                        <a:rPr lang="en-US" altLang="ko-KR" sz="1100" dirty="0" smtClean="0">
+                          <a:solidFill>
+                            <a:srgbClr val="FF0000"/>
+                          </a:solidFill>
+                        </a:rPr>
+                        <a:t>VARCHAR</a:t>
+                      </a:r>
+                      <a:endParaRPr lang="en-US" altLang="ko-KR" sz="1100" dirty="0" smtClean="0"/>
+                    </a:p>
+                  </a:txBody>
+                  <a:tcPr>
+                    <a:solidFill>
+                      <a:srgbClr val="CCCCFF"/>
+                    </a:solidFill>
+                  </a:tcPr>
+                </a:tc>
+                <a:extLst>
+                  <a:ext uri="{0D108BD9-81ED-4DB2-BD59-A6C34878D82A}">
+                    <a16:rowId xmlns:a16="http://schemas.microsoft.com/office/drawing/2014/main" val="4176099474"/>
+                  </a:ext>
+                </a:extLst>
+              </a:tr>
+              <a:tr h="248414">
+                <a:tc>
+                  <a:txBody>
+                    <a:bodyPr/>
+                    <a:lstStyle/>
+                    <a:p>
+                      <a:pPr latinLnBrk="1"/>
+                      <a:r>
+                        <a:rPr lang="ko-KR" altLang="en-US" sz="1100" dirty="0" smtClean="0"/>
+                        <a:t>홈페이지 주소 </a:t>
+                      </a:r>
+                      <a:r>
+                        <a:rPr lang="en-US" altLang="ko-KR" sz="1100" dirty="0" smtClean="0">
+                          <a:solidFill>
+                            <a:srgbClr val="FF0000"/>
+                          </a:solidFill>
+                        </a:rPr>
+                        <a:t>VARCHAR</a:t>
+                      </a:r>
+                      <a:endParaRPr lang="ko-KR" altLang="en-US" sz="1100" dirty="0"/>
+                    </a:p>
+                  </a:txBody>
+                  <a:tcPr>
+                    <a:solidFill>
+                      <a:srgbClr val="9966FF"/>
+                    </a:solidFill>
+                  </a:tcPr>
+                </a:tc>
+                <a:extLst>
+                  <a:ext uri="{0D108BD9-81ED-4DB2-BD59-A6C34878D82A}">
+                    <a16:rowId xmlns:a16="http://schemas.microsoft.com/office/drawing/2014/main" val="2502794991"/>
+                  </a:ext>
+                </a:extLst>
+              </a:tr>
+            </a:tbl>
+          </a:graphicData>
+        </a:graphic>
+      </p:graphicFrame>
+      <p:graphicFrame>
+        <p:nvGraphicFramePr>
           <p:cNvPr id="17" name="표 16"/>
           <p:cNvGraphicFramePr>
             <a:graphicFrameLocks noGrp="1"/>
@@ -7009,14 +7273,14 @@
           <p:nvPr>
             <p:extLst>
               <p:ext uri="{D42A27DB-BD31-4B8C-83A1-F6EECF244321}">
-                <p14:modId xmlns:p14="http://schemas.microsoft.com/office/powerpoint/2010/main" val="2568606352"/>
+                <p14:modId xmlns:p14="http://schemas.microsoft.com/office/powerpoint/2010/main" val="2409510007"/>
               </p:ext>
             </p:extLst>
           </p:nvPr>
         </p:nvGraphicFramePr>
         <p:xfrm>
-          <a:off x="2307379" y="56664"/>
-          <a:ext cx="2003389" cy="1463040"/>
+          <a:off x="2500705" y="-14931"/>
+          <a:ext cx="2003389" cy="1722120"/>
         </p:xfrm>
         <a:graphic>
           <a:graphicData uri="http://schemas.openxmlformats.org/drawingml/2006/table">
@@ -7196,7 +7460,7 @@
                             <a:srgbClr val="FF0000"/>
                           </a:solidFill>
                         </a:rPr>
-                        <a:t>INT</a:t>
+                        <a:t>VARCHAR</a:t>
                       </a:r>
                       <a:endParaRPr lang="ko-KR" altLang="en-US" sz="1100" dirty="0">
                         <a:solidFill>
@@ -7270,20 +7534,28 @@
                         <a:defRPr/>
                       </a:pPr>
                       <a:r>
-                        <a:rPr lang="ko-KR" altLang="en-US" sz="1100" dirty="0" err="1" smtClean="0"/>
-                        <a:t>스트리머</a:t>
-                      </a:r>
-                      <a:r>
-                        <a:rPr lang="en-US" altLang="ko-KR" sz="1100" dirty="0" smtClean="0"/>
-                        <a:t>ID </a:t>
-                      </a:r>
-                      <a:r>
-                        <a:rPr lang="en-US" altLang="ko-KR" sz="1100" dirty="0" smtClean="0">
-                          <a:solidFill>
-                            <a:srgbClr val="FF0000"/>
-                          </a:solidFill>
-                        </a:rPr>
-                        <a:t>INT</a:t>
+                        <a:rPr lang="ko-KR" altLang="en-US" sz="1100" dirty="0" err="1" smtClean="0">
+                          <a:solidFill>
+                            <a:schemeClr val="tx1"/>
+                          </a:solidFill>
+                        </a:rPr>
+                        <a:t>스트리머이름</a:t>
+                      </a:r>
+                      <a:r>
+                        <a:rPr lang="ko-KR" altLang="en-US" sz="1100" dirty="0" smtClean="0">
+                          <a:solidFill>
+                            <a:srgbClr val="FF0000"/>
+                          </a:solidFill>
+                        </a:rPr>
+                        <a:t> </a:t>
+                      </a:r>
+                      <a:r>
+                        <a:rPr lang="en-US" altLang="ko-KR" sz="1100" dirty="0" smtClean="0">
+                          <a:solidFill>
+                            <a:srgbClr val="FF0000"/>
+                          </a:solidFill>
+                        </a:rPr>
+                        <a:t>VARCHAR</a:t>
                       </a:r>
                       <a:endParaRPr lang="ko-KR" altLang="en-US" sz="1100" dirty="0" smtClean="0">
                         <a:solidFill>
@@ -7329,7 +7601,7 @@
                 </a:tc>
                 <a:extLst>
                   <a:ext uri="{0D108BD9-81ED-4DB2-BD59-A6C34878D82A}">
-                    <a16:rowId xmlns:a16="http://schemas.microsoft.com/office/drawing/2014/main" val="2576890930"/>
+                    <a16:rowId xmlns:a16="http://schemas.microsoft.com/office/drawing/2014/main" val="743528785"/>
                   </a:ext>
                 </a:extLst>
               </a:tr>
@@ -7357,16 +7629,20 @@
                         <a:defRPr/>
                       </a:pPr>
                       <a:r>
-                        <a:rPr lang="ko-KR" altLang="en-US" sz="1100" dirty="0" smtClean="0"/>
-                        <a:t>방송 날짜 </a:t>
-                      </a:r>
-                      <a:r>
-                        <a:rPr lang="en-US" altLang="ko-KR" sz="1100" dirty="0" smtClean="0">
-                          <a:solidFill>
-                            <a:srgbClr val="FF0000"/>
-                          </a:solidFill>
-                        </a:rPr>
-                        <a:t>DATETIME</a:t>
+                        <a:rPr lang="ko-KR" altLang="en-US" sz="1100" dirty="0" err="1" smtClean="0"/>
+                        <a:t>스트리머</a:t>
+                      </a:r>
+                      <a:r>
+                        <a:rPr lang="en-US" altLang="ko-KR" sz="1100" dirty="0" smtClean="0"/>
+                        <a:t>ID </a:t>
+                      </a:r>
+                      <a:r>
+                        <a:rPr lang="en-US" altLang="ko-KR" sz="1100" dirty="0" smtClean="0">
+                          <a:solidFill>
+                            <a:srgbClr val="FF0000"/>
+                          </a:solidFill>
+                        </a:rPr>
+                        <a:t>VARCHAR</a:t>
                       </a:r>
                       <a:endParaRPr lang="ko-KR" altLang="en-US" sz="1100" dirty="0" smtClean="0">
                         <a:solidFill>
@@ -7395,344 +7671,7 @@
                       <a:prstDash val="solid"/>
                       <a:miter lim="800000"/>
                     </a:lnT>
-                    <a:lnB w="12700" cap="flat" cmpd="sng" algn="ctr">
-                      <a:noFill/>
-                      <a:prstDash val="solid"/>
-                      <a:round/>
-                      <a:headEnd type="none" w="med" len="med"/>
-                      <a:tailEnd type="none" w="med" len="med"/>
-                    </a:lnB>
-                    <a:lnTlToBr w="12700" cmpd="sng">
-                      <a:noFill/>
-                      <a:prstDash val="solid"/>
-                    </a:lnTlToBr>
-                    <a:lnBlToTr w="12700" cmpd="sng">
-                      <a:noFill/>
-                      <a:prstDash val="solid"/>
-                    </a:lnBlToTr>
-                  </a:tcPr>
-                </a:tc>
-                <a:extLst>
-                  <a:ext uri="{0D108BD9-81ED-4DB2-BD59-A6C34878D82A}">
-                    <a16:rowId xmlns:a16="http://schemas.microsoft.com/office/drawing/2014/main" val="133267380"/>
-                  </a:ext>
-                </a:extLst>
-              </a:tr>
-            </a:tbl>
-          </a:graphicData>
-        </a:graphic>
-      </p:graphicFrame>
-      <p:graphicFrame>
-        <p:nvGraphicFramePr>
-          <p:cNvPr id="18" name="표 17"/>
-          <p:cNvGraphicFramePr>
-            <a:graphicFrameLocks noGrp="1"/>
-          </p:cNvGraphicFramePr>
-          <p:nvPr>
-            <p:extLst>
-              <p:ext uri="{D42A27DB-BD31-4B8C-83A1-F6EECF244321}">
-                <p14:modId xmlns:p14="http://schemas.microsoft.com/office/powerpoint/2010/main" val="2219740553"/>
-              </p:ext>
-            </p:extLst>
-          </p:nvPr>
-        </p:nvGraphicFramePr>
-        <p:xfrm>
-          <a:off x="4517596" y="69152"/>
-          <a:ext cx="1760536" cy="1463040"/>
-        </p:xfrm>
-        <a:graphic>
-          <a:graphicData uri="http://schemas.openxmlformats.org/drawingml/2006/table">
-            <a:tbl>
-              <a:tblPr firstRow="1" bandRow="1">
-                <a:tableStyleId>{7DF18680-E054-41AD-8BC1-D1AEF772440D}</a:tableStyleId>
-              </a:tblPr>
-              <a:tblGrid>
-                <a:gridCol w="1760536">
-                  <a:extLst>
-                    <a:ext uri="{9D8B030D-6E8A-4147-A177-3AD203B41FA5}">
-                      <a16:colId xmlns:a16="http://schemas.microsoft.com/office/drawing/2014/main" val="1628425209"/>
-                    </a:ext>
-                  </a:extLst>
-                </a:gridCol>
-              </a:tblGrid>
-              <a:tr h="254198">
-                <a:tc>
-                  <a:txBody>
-                    <a:bodyPr/>
-                    <a:lstStyle/>
-                    <a:p>
-                      <a:pPr latinLnBrk="1"/>
-                      <a:r>
-                        <a:rPr lang="ko-KR" altLang="en-US" sz="1100" dirty="0" err="1" smtClean="0"/>
-                        <a:t>트위치</a:t>
-                      </a:r>
-                      <a:r>
-                        <a:rPr lang="ko-KR" altLang="en-US" sz="1100" dirty="0" smtClean="0"/>
-                        <a:t> 채널 정보 </a:t>
-                      </a:r>
-                      <a:r>
-                        <a:rPr lang="en-US" altLang="ko-KR" sz="1100" dirty="0" err="1" smtClean="0"/>
-                        <a:t>twitch_channel</a:t>
-                      </a:r>
-                      <a:endParaRPr lang="ko-KR" altLang="en-US" sz="1100" dirty="0"/>
-                    </a:p>
-                  </a:txBody>
-                  <a:tcPr>
-                    <a:solidFill>
-                      <a:srgbClr val="9966FF"/>
-                    </a:solidFill>
-                  </a:tcPr>
-                </a:tc>
-                <a:extLst>
-                  <a:ext uri="{0D108BD9-81ED-4DB2-BD59-A6C34878D82A}">
-                    <a16:rowId xmlns:a16="http://schemas.microsoft.com/office/drawing/2014/main" val="2441104982"/>
-                  </a:ext>
-                </a:extLst>
-              </a:tr>
-              <a:tr h="248414">
-                <a:tc>
-                  <a:txBody>
-                    <a:bodyPr/>
-                    <a:lstStyle/>
-                    <a:p>
-                      <a:pPr latinLnBrk="1"/>
-                      <a:r>
-                        <a:rPr lang="ko-KR" altLang="en-US" sz="1100" dirty="0" err="1" smtClean="0"/>
-                        <a:t>스트리머</a:t>
-                      </a:r>
-                      <a:r>
-                        <a:rPr lang="ko-KR" altLang="en-US" sz="1100" dirty="0" smtClean="0"/>
-                        <a:t> </a:t>
-                      </a:r>
-                      <a:r>
-                        <a:rPr lang="en-US" altLang="ko-KR" sz="1100" dirty="0" smtClean="0"/>
-                        <a:t>ID</a:t>
-                      </a:r>
-                      <a:r>
-                        <a:rPr lang="en-US" altLang="ko-KR" sz="1100" baseline="0" dirty="0" smtClean="0"/>
-                        <a:t> </a:t>
-                      </a:r>
-                      <a:r>
-                        <a:rPr lang="en-US" altLang="ko-KR" sz="1100" baseline="0" dirty="0" smtClean="0">
-                          <a:solidFill>
-                            <a:srgbClr val="FF0000"/>
-                          </a:solidFill>
-                        </a:rPr>
-                        <a:t>INT </a:t>
-                      </a:r>
-                      <a:r>
-                        <a:rPr lang="en-US" altLang="ko-KR" sz="1100" dirty="0" smtClean="0">
-                          <a:solidFill>
-                            <a:schemeClr val="accent6">
-                              <a:lumMod val="50000"/>
-                            </a:schemeClr>
-                          </a:solidFill>
-                        </a:rPr>
-                        <a:t>PK</a:t>
-                      </a:r>
-                      <a:endParaRPr lang="en-US" altLang="ko-KR" sz="1100" dirty="0" smtClean="0"/>
-                    </a:p>
-                  </a:txBody>
-                  <a:tcPr>
-                    <a:solidFill>
-                      <a:srgbClr val="CCCCFF"/>
-                    </a:solidFill>
-                  </a:tcPr>
-                </a:tc>
-                <a:extLst>
-                  <a:ext uri="{0D108BD9-81ED-4DB2-BD59-A6C34878D82A}">
-                    <a16:rowId xmlns:a16="http://schemas.microsoft.com/office/drawing/2014/main" val="3832849648"/>
-                  </a:ext>
-                </a:extLst>
-              </a:tr>
-              <a:tr h="248414">
-                <a:tc>
-                  <a:txBody>
-                    <a:bodyPr/>
-                    <a:lstStyle/>
-                    <a:p>
-                      <a:pPr latinLnBrk="1"/>
-                      <a:r>
-                        <a:rPr lang="ko-KR" altLang="en-US" sz="1100" dirty="0" err="1" smtClean="0"/>
-                        <a:t>스트리머</a:t>
-                      </a:r>
-                      <a:r>
-                        <a:rPr lang="ko-KR" altLang="en-US" sz="1100" dirty="0" smtClean="0"/>
-                        <a:t> 이름 </a:t>
-                      </a:r>
-                      <a:r>
-                        <a:rPr lang="en-US" altLang="ko-KR" sz="1100" dirty="0" smtClean="0">
-                          <a:solidFill>
-                            <a:srgbClr val="FF0000"/>
-                          </a:solidFill>
-                        </a:rPr>
-                        <a:t>VARCHAR</a:t>
-                      </a:r>
-                      <a:endParaRPr lang="en-US" altLang="ko-KR" sz="1100" dirty="0" smtClean="0"/>
-                    </a:p>
-                  </a:txBody>
-                  <a:tcPr>
-                    <a:solidFill>
-                      <a:srgbClr val="9966FF"/>
-                    </a:solidFill>
-                  </a:tcPr>
-                </a:tc>
-                <a:extLst>
-                  <a:ext uri="{0D108BD9-81ED-4DB2-BD59-A6C34878D82A}">
-                    <a16:rowId xmlns:a16="http://schemas.microsoft.com/office/drawing/2014/main" val="669642124"/>
-                  </a:ext>
-                </a:extLst>
-              </a:tr>
-              <a:tr h="248414">
-                <a:tc>
-                  <a:txBody>
-                    <a:bodyPr/>
-                    <a:lstStyle/>
-                    <a:p>
-                      <a:pPr latinLnBrk="1"/>
-                      <a:r>
-                        <a:rPr lang="ko-KR" altLang="en-US" sz="1100" dirty="0" smtClean="0"/>
-                        <a:t>로고 </a:t>
-                      </a:r>
-                      <a:r>
-                        <a:rPr lang="en-US" altLang="ko-KR" sz="1100" dirty="0" smtClean="0">
-                          <a:solidFill>
-                            <a:srgbClr val="FF0000"/>
-                          </a:solidFill>
-                        </a:rPr>
-                        <a:t>VARCHAR</a:t>
-                      </a:r>
-                      <a:endParaRPr lang="en-US" altLang="ko-KR" sz="1100" dirty="0" smtClean="0"/>
-                    </a:p>
-                  </a:txBody>
-                  <a:tcPr>
-                    <a:solidFill>
-                      <a:srgbClr val="CCCCFF"/>
-                    </a:solidFill>
-                  </a:tcPr>
-                </a:tc>
-                <a:extLst>
-                  <a:ext uri="{0D108BD9-81ED-4DB2-BD59-A6C34878D82A}">
-                    <a16:rowId xmlns:a16="http://schemas.microsoft.com/office/drawing/2014/main" val="4176099474"/>
-                  </a:ext>
-                </a:extLst>
-              </a:tr>
-              <a:tr h="248414">
-                <a:tc>
-                  <a:txBody>
-                    <a:bodyPr/>
-                    <a:lstStyle/>
-                    <a:p>
-                      <a:pPr latinLnBrk="1"/>
-                      <a:r>
-                        <a:rPr lang="ko-KR" altLang="en-US" sz="1100" dirty="0" smtClean="0"/>
-                        <a:t>홈페이지 주소 </a:t>
-                      </a:r>
-                      <a:r>
-                        <a:rPr lang="en-US" altLang="ko-KR" sz="1100" dirty="0" smtClean="0">
-                          <a:solidFill>
-                            <a:srgbClr val="FF0000"/>
-                          </a:solidFill>
-                        </a:rPr>
-                        <a:t>VARCHAR</a:t>
-                      </a:r>
-                      <a:endParaRPr lang="ko-KR" altLang="en-US" sz="1100" dirty="0"/>
-                    </a:p>
-                  </a:txBody>
-                  <a:tcPr>
-                    <a:solidFill>
-                      <a:srgbClr val="9966FF"/>
-                    </a:solidFill>
-                  </a:tcPr>
-                </a:tc>
-                <a:extLst>
-                  <a:ext uri="{0D108BD9-81ED-4DB2-BD59-A6C34878D82A}">
-                    <a16:rowId xmlns:a16="http://schemas.microsoft.com/office/drawing/2014/main" val="2502794991"/>
-                  </a:ext>
-                </a:extLst>
-              </a:tr>
-            </a:tbl>
-          </a:graphicData>
-        </a:graphic>
-      </p:graphicFrame>
-      <p:graphicFrame>
-        <p:nvGraphicFramePr>
-          <p:cNvPr id="19" name="표 18"/>
-          <p:cNvGraphicFramePr>
-            <a:graphicFrameLocks noGrp="1"/>
-          </p:cNvGraphicFramePr>
-          <p:nvPr>
-            <p:extLst>
-              <p:ext uri="{D42A27DB-BD31-4B8C-83A1-F6EECF244321}">
-                <p14:modId xmlns:p14="http://schemas.microsoft.com/office/powerpoint/2010/main" val="102695116"/>
-              </p:ext>
-            </p:extLst>
-          </p:nvPr>
-        </p:nvGraphicFramePr>
-        <p:xfrm>
-          <a:off x="2307378" y="1532192"/>
-          <a:ext cx="2003389" cy="1463040"/>
-        </p:xfrm>
-        <a:graphic>
-          <a:graphicData uri="http://schemas.openxmlformats.org/drawingml/2006/table">
-            <a:tbl>
-              <a:tblPr firstRow="1" bandRow="1">
-                <a:tableStyleId>{69C7853C-536D-4A76-A0AE-DD22124D55A5}</a:tableStyleId>
-              </a:tblPr>
-              <a:tblGrid>
-                <a:gridCol w="2003389">
-                  <a:extLst>
-                    <a:ext uri="{9D8B030D-6E8A-4147-A177-3AD203B41FA5}">
-                      <a16:colId xmlns:a16="http://schemas.microsoft.com/office/drawing/2014/main" val="1628425209"/>
-                    </a:ext>
-                  </a:extLst>
-                </a:gridCol>
-              </a:tblGrid>
-              <a:tr h="378876">
-                <a:tc>
-                  <a:txBody>
-                    <a:bodyPr/>
-                    <a:lstStyle/>
-                    <a:p>
-                      <a:pPr latinLnBrk="1"/>
-                      <a:r>
-                        <a:rPr lang="ko-KR" altLang="en-US" sz="1100" dirty="0" err="1" smtClean="0"/>
-                        <a:t>트위치</a:t>
-                      </a:r>
-                      <a:r>
-                        <a:rPr lang="ko-KR" altLang="en-US" sz="1100" dirty="0" smtClean="0"/>
-                        <a:t> 스트리밍 시청자 </a:t>
-                      </a:r>
-                      <a:r>
-                        <a:rPr lang="en-US" altLang="ko-KR" sz="1100" dirty="0" err="1" smtClean="0"/>
-                        <a:t>twitch_stream_viewer</a:t>
-                      </a:r>
-                      <a:endParaRPr lang="ko-KR" altLang="en-US" sz="1100" dirty="0"/>
-                    </a:p>
-                  </a:txBody>
-                  <a:tcPr>
-                    <a:lnL w="12700" cap="flat" cmpd="sng" algn="ctr">
-                      <a:noFill/>
-                      <a:prstDash val="solid"/>
-                      <a:round/>
-                      <a:headEnd type="none" w="med" len="med"/>
-                      <a:tailEnd type="none" w="med" len="med"/>
-                    </a:lnL>
-                    <a:lnR w="12700" cap="flat" cmpd="sng" algn="ctr">
-                      <a:noFill/>
-                      <a:prstDash val="solid"/>
-                      <a:round/>
-                      <a:headEnd type="none" w="med" len="med"/>
-                      <a:tailEnd type="none" w="med" len="med"/>
-                    </a:lnR>
-                    <a:lnT w="12700" cap="flat" cmpd="sng" algn="ctr">
-                      <a:noFill/>
-                      <a:prstDash val="solid"/>
-                      <a:round/>
-                      <a:headEnd type="none" w="med" len="med"/>
-                      <a:tailEnd type="none" w="med" len="med"/>
-                    </a:lnT>
-                    <a:lnB w="12700" cap="flat" cmpd="sng" algn="ctr">
+                    <a:lnB w="6350" cap="flat" cmpd="sng" algn="ctr">
                       <a:noFill/>
                       <a:prstDash val="solid"/>
                       <a:miter lim="800000"/>
@@ -7749,179 +7688,11 @@
                 </a:tc>
                 <a:extLst>
                   <a:ext uri="{0D108BD9-81ED-4DB2-BD59-A6C34878D82A}">
-                    <a16:rowId xmlns:a16="http://schemas.microsoft.com/office/drawing/2014/main" val="2441104982"/>
-                  </a:ext>
-                </a:extLst>
-              </a:tr>
-              <a:tr h="230032">
-                <a:tc>
-                  <a:txBody>
-                    <a:bodyPr/>
-                    <a:lstStyle/>
-                    <a:p>
-                      <a:pPr latinLnBrk="1"/>
-                      <a:r>
-                        <a:rPr lang="ko-KR" altLang="en-US" sz="1100" dirty="0" smtClean="0">
-                          <a:solidFill>
-                            <a:schemeClr val="tx1"/>
-                          </a:solidFill>
-                        </a:rPr>
-                        <a:t>시청자수테이블 번호</a:t>
-                      </a:r>
-                      <a:r>
-                        <a:rPr lang="ko-KR" altLang="en-US" sz="1100" dirty="0" smtClean="0">
-                          <a:solidFill>
-                            <a:srgbClr val="FF0000"/>
-                          </a:solidFill>
-                        </a:rPr>
-                        <a:t> </a:t>
-                      </a:r>
-                      <a:r>
-                        <a:rPr lang="en-US" altLang="ko-KR" sz="1100" dirty="0" smtClean="0">
-                          <a:solidFill>
-                            <a:srgbClr val="FF0000"/>
-                          </a:solidFill>
-                        </a:rPr>
-                        <a:t>INT</a:t>
-                      </a:r>
-                      <a:r>
-                        <a:rPr lang="en-US" altLang="ko-KR" sz="1100" baseline="0" dirty="0" smtClean="0">
-                          <a:solidFill>
-                            <a:srgbClr val="FF0000"/>
-                          </a:solidFill>
-                        </a:rPr>
-                        <a:t> </a:t>
-                      </a:r>
-                      <a:r>
-                        <a:rPr lang="en-US" altLang="ko-KR" sz="1100" dirty="0" smtClean="0">
-                          <a:solidFill>
-                            <a:schemeClr val="accent6">
-                              <a:lumMod val="50000"/>
-                            </a:schemeClr>
-                          </a:solidFill>
-                        </a:rPr>
-                        <a:t>PK</a:t>
-                      </a:r>
-                      <a:endParaRPr lang="ko-KR" altLang="en-US" sz="1100" dirty="0">
-                        <a:solidFill>
-                          <a:srgbClr val="FF0000"/>
-                        </a:solidFill>
-                      </a:endParaRPr>
-                    </a:p>
-                  </a:txBody>
-                  <a:tcPr>
-                    <a:lnL w="12700" cap="flat" cmpd="sng" algn="ctr">
-                      <a:noFill/>
-                      <a:prstDash val="solid"/>
-                      <a:round/>
-                      <a:headEnd type="none" w="med" len="med"/>
-                      <a:tailEnd type="none" w="med" len="med"/>
-                    </a:lnL>
-                    <a:lnR w="12700" cap="flat" cmpd="sng" algn="ctr">
-                      <a:noFill/>
-                      <a:prstDash val="solid"/>
-                      <a:round/>
-                      <a:headEnd type="none" w="med" len="med"/>
-                      <a:tailEnd type="none" w="med" len="med"/>
-                    </a:lnR>
-                    <a:lnT w="6350" cap="flat" cmpd="sng" algn="ctr">
-                      <a:noFill/>
-                      <a:prstDash val="solid"/>
-                      <a:miter lim="800000"/>
-                    </a:lnT>
-                    <a:lnB w="6350" cap="flat" cmpd="sng" algn="ctr">
-                      <a:noFill/>
-                      <a:prstDash val="solid"/>
-                      <a:miter lim="800000"/>
-                    </a:lnB>
-                    <a:lnTlToBr w="12700" cmpd="sng">
-                      <a:noFill/>
-                      <a:prstDash val="solid"/>
-                    </a:lnTlToBr>
-                    <a:lnBlToTr w="12700" cmpd="sng">
-                      <a:noFill/>
-                      <a:prstDash val="solid"/>
-                    </a:lnBlToTr>
-                  </a:tcPr>
-                </a:tc>
-                <a:extLst>
-                  <a:ext uri="{0D108BD9-81ED-4DB2-BD59-A6C34878D82A}">
-                    <a16:rowId xmlns:a16="http://schemas.microsoft.com/office/drawing/2014/main" val="2661018333"/>
-                  </a:ext>
-                </a:extLst>
-              </a:tr>
-              <a:tr h="230032">
-                <a:tc>
-                  <a:txBody>
-                    <a:bodyPr/>
-                    <a:lstStyle/>
-                    <a:p>
-                      <a:pPr latinLnBrk="1"/>
-                      <a:r>
-                        <a:rPr lang="ko-KR" altLang="en-US" sz="1100" dirty="0" smtClean="0"/>
-                        <a:t>스트리밍</a:t>
-                      </a:r>
-                      <a:r>
-                        <a:rPr lang="en-US" altLang="ko-KR" sz="1100" dirty="0" smtClean="0"/>
-                        <a:t>ID </a:t>
-                      </a:r>
-                      <a:r>
-                        <a:rPr lang="en-US" altLang="ko-KR" sz="1100" dirty="0" smtClean="0">
-                          <a:solidFill>
-                            <a:srgbClr val="FF0000"/>
-                          </a:solidFill>
-                        </a:rPr>
-                        <a:t>INT</a:t>
-                      </a:r>
-                      <a:endParaRPr lang="ko-KR" altLang="en-US" sz="1100" dirty="0">
-                        <a:solidFill>
-                          <a:srgbClr val="FF0000"/>
-                        </a:solidFill>
-                      </a:endParaRPr>
-                    </a:p>
-                  </a:txBody>
-                  <a:tcPr>
-                    <a:lnL w="12700" cap="flat" cmpd="sng" algn="ctr">
-                      <a:noFill/>
-                      <a:prstDash val="solid"/>
-                      <a:round/>
-                      <a:headEnd type="none" w="med" len="med"/>
-                      <a:tailEnd type="none" w="med" len="med"/>
-                    </a:lnL>
-                    <a:lnR w="12700" cap="flat" cmpd="sng" algn="ctr">
-                      <a:noFill/>
-                      <a:prstDash val="solid"/>
-                      <a:round/>
-                      <a:headEnd type="none" w="med" len="med"/>
-                      <a:tailEnd type="none" w="med" len="med"/>
-                    </a:lnR>
-                    <a:lnT w="6350" cap="flat" cmpd="sng" algn="ctr">
-                      <a:noFill/>
-                      <a:prstDash val="solid"/>
-                      <a:miter lim="800000"/>
-                    </a:lnT>
-                    <a:lnB w="6350" cap="flat" cmpd="sng" algn="ctr">
-                      <a:noFill/>
-                      <a:prstDash val="solid"/>
-                      <a:miter lim="800000"/>
-                    </a:lnB>
-                    <a:lnTlToBr w="12700" cmpd="sng">
-                      <a:noFill/>
-                      <a:prstDash val="solid"/>
-                    </a:lnTlToBr>
-                    <a:lnBlToTr w="12700" cmpd="sng">
-                      <a:noFill/>
-                      <a:prstDash val="solid"/>
-                    </a:lnBlToTr>
-                  </a:tcPr>
-                </a:tc>
-                <a:extLst>
-                  <a:ext uri="{0D108BD9-81ED-4DB2-BD59-A6C34878D82A}">
-                    <a16:rowId xmlns:a16="http://schemas.microsoft.com/office/drawing/2014/main" val="3879632459"/>
-                  </a:ext>
-                </a:extLst>
-              </a:tr>
-              <a:tr h="230032">
+                    <a16:rowId xmlns:a16="http://schemas.microsoft.com/office/drawing/2014/main" val="2576890930"/>
+                  </a:ext>
+                </a:extLst>
+              </a:tr>
+              <a:tr h="248414">
                 <a:tc>
                   <a:txBody>
                     <a:bodyPr/>
@@ -7945,28 +7716,16 @@
                         <a:defRPr/>
                       </a:pPr>
                       <a:r>
-                        <a:rPr lang="ko-KR" altLang="en-US" sz="1100" dirty="0" smtClean="0">
-                          <a:solidFill>
-                            <a:schemeClr val="tx1"/>
-                          </a:solidFill>
-                        </a:rPr>
-                        <a:t>시청자 수</a:t>
-                      </a:r>
-                      <a:r>
-                        <a:rPr lang="ko-KR" altLang="en-US" sz="1100" dirty="0" smtClean="0">
-                          <a:solidFill>
-                            <a:srgbClr val="FF0000"/>
-                          </a:solidFill>
-                        </a:rPr>
-                        <a:t> </a:t>
-                      </a:r>
-                      <a:r>
-                        <a:rPr lang="en-US" altLang="ko-KR" sz="1100" dirty="0" smtClean="0">
-                          <a:solidFill>
-                            <a:srgbClr val="FF0000"/>
-                          </a:solidFill>
-                        </a:rPr>
-                        <a:t>INT</a:t>
+                        <a:rPr lang="ko-KR" altLang="en-US" sz="1100" dirty="0" smtClean="0"/>
+                        <a:t>방송 날짜 </a:t>
+                      </a:r>
+                      <a:r>
+                        <a:rPr lang="en-US" altLang="ko-KR" sz="1100" dirty="0" smtClean="0">
+                          <a:solidFill>
+                            <a:srgbClr val="FF0000"/>
+                          </a:solidFill>
+                        </a:rPr>
+                        <a:t>DATETIME</a:t>
                       </a:r>
                       <a:endParaRPr lang="ko-KR" altLang="en-US" sz="1100" dirty="0" smtClean="0">
                         <a:solidFill>
@@ -8014,11 +7773,285 @@
                 </a:tc>
                 <a:extLst>
                   <a:ext uri="{0D108BD9-81ED-4DB2-BD59-A6C34878D82A}">
-                    <a16:rowId xmlns:a16="http://schemas.microsoft.com/office/drawing/2014/main" val="1332438112"/>
-                  </a:ext>
-                </a:extLst>
-              </a:tr>
-              <a:tr h="230032">
+                    <a16:rowId xmlns:a16="http://schemas.microsoft.com/office/drawing/2014/main" val="133267380"/>
+                  </a:ext>
+                </a:extLst>
+              </a:tr>
+            </a:tbl>
+          </a:graphicData>
+        </a:graphic>
+      </p:graphicFrame>
+      <p:graphicFrame>
+        <p:nvGraphicFramePr>
+          <p:cNvPr id="19" name="표 18"/>
+          <p:cNvGraphicFramePr>
+            <a:graphicFrameLocks noGrp="1"/>
+          </p:cNvGraphicFramePr>
+          <p:nvPr>
+            <p:extLst>
+              <p:ext uri="{D42A27DB-BD31-4B8C-83A1-F6EECF244321}">
+                <p14:modId xmlns:p14="http://schemas.microsoft.com/office/powerpoint/2010/main" val="3339069677"/>
+              </p:ext>
+            </p:extLst>
+          </p:nvPr>
+        </p:nvGraphicFramePr>
+        <p:xfrm>
+          <a:off x="2060079" y="1707189"/>
+          <a:ext cx="2003389" cy="1920240"/>
+        </p:xfrm>
+        <a:graphic>
+          <a:graphicData uri="http://schemas.openxmlformats.org/drawingml/2006/table">
+            <a:tbl>
+              <a:tblPr firstRow="1" bandRow="1">
+                <a:tableStyleId>{69C7853C-536D-4A76-A0AE-DD22124D55A5}</a:tableStyleId>
+              </a:tblPr>
+              <a:tblGrid>
+                <a:gridCol w="2003389">
+                  <a:extLst>
+                    <a:ext uri="{9D8B030D-6E8A-4147-A177-3AD203B41FA5}">
+                      <a16:colId xmlns:a16="http://schemas.microsoft.com/office/drawing/2014/main" val="1628425209"/>
+                    </a:ext>
+                  </a:extLst>
+                </a:gridCol>
+              </a:tblGrid>
+              <a:tr h="351816">
+                <a:tc>
+                  <a:txBody>
+                    <a:bodyPr/>
+                    <a:lstStyle/>
+                    <a:p>
+                      <a:pPr latinLnBrk="1"/>
+                      <a:r>
+                        <a:rPr lang="ko-KR" altLang="en-US" sz="1050" dirty="0" err="1" smtClean="0"/>
+                        <a:t>트위치</a:t>
+                      </a:r>
+                      <a:r>
+                        <a:rPr lang="ko-KR" altLang="en-US" sz="1050" dirty="0" smtClean="0"/>
+                        <a:t> 스트리밍 </a:t>
+                      </a:r>
+                      <a:r>
+                        <a:rPr lang="ko-KR" altLang="en-US" sz="1050" dirty="0" smtClean="0"/>
+                        <a:t>세부사항 </a:t>
+                      </a:r>
+                      <a:r>
+                        <a:rPr lang="en-US" altLang="ko-KR" sz="1050" dirty="0" err="1" smtClean="0"/>
+                        <a:t>twitch_stream_detail</a:t>
+                      </a:r>
+                      <a:endParaRPr lang="ko-KR" altLang="en-US" sz="1050" dirty="0"/>
+                    </a:p>
+                  </a:txBody>
+                  <a:tcPr>
+                    <a:lnL w="12700" cap="flat" cmpd="sng" algn="ctr">
+                      <a:noFill/>
+                      <a:prstDash val="solid"/>
+                      <a:round/>
+                      <a:headEnd type="none" w="med" len="med"/>
+                      <a:tailEnd type="none" w="med" len="med"/>
+                    </a:lnL>
+                    <a:lnR w="12700" cap="flat" cmpd="sng" algn="ctr">
+                      <a:noFill/>
+                      <a:prstDash val="solid"/>
+                      <a:round/>
+                      <a:headEnd type="none" w="med" len="med"/>
+                      <a:tailEnd type="none" w="med" len="med"/>
+                    </a:lnR>
+                    <a:lnT w="12700" cap="flat" cmpd="sng" algn="ctr">
+                      <a:noFill/>
+                      <a:prstDash val="solid"/>
+                      <a:round/>
+                      <a:headEnd type="none" w="med" len="med"/>
+                      <a:tailEnd type="none" w="med" len="med"/>
+                    </a:lnT>
+                    <a:lnB w="12700" cap="flat" cmpd="sng" algn="ctr">
+                      <a:noFill/>
+                      <a:prstDash val="solid"/>
+                      <a:miter lim="800000"/>
+                    </a:lnB>
+                    <a:lnTlToBr w="12700" cmpd="sng">
+                      <a:noFill/>
+                      <a:prstDash val="solid"/>
+                    </a:lnTlToBr>
+                    <a:lnBlToTr w="12700" cmpd="sng">
+                      <a:noFill/>
+                      <a:prstDash val="solid"/>
+                    </a:lnBlToTr>
+                  </a:tcPr>
+                </a:tc>
+                <a:extLst>
+                  <a:ext uri="{0D108BD9-81ED-4DB2-BD59-A6C34878D82A}">
+                    <a16:rowId xmlns:a16="http://schemas.microsoft.com/office/drawing/2014/main" val="2441104982"/>
+                  </a:ext>
+                </a:extLst>
+              </a:tr>
+              <a:tr h="213603">
+                <a:tc>
+                  <a:txBody>
+                    <a:bodyPr/>
+                    <a:lstStyle/>
+                    <a:p>
+                      <a:pPr latinLnBrk="1"/>
+                      <a:r>
+                        <a:rPr lang="ko-KR" altLang="en-US" sz="1050" dirty="0" smtClean="0">
+                          <a:solidFill>
+                            <a:schemeClr val="tx1"/>
+                          </a:solidFill>
+                        </a:rPr>
+                        <a:t>시청자수테이블 번호</a:t>
+                      </a:r>
+                      <a:r>
+                        <a:rPr lang="ko-KR" altLang="en-US" sz="1050" dirty="0" smtClean="0">
+                          <a:solidFill>
+                            <a:srgbClr val="FF0000"/>
+                          </a:solidFill>
+                        </a:rPr>
+                        <a:t> </a:t>
+                      </a:r>
+                      <a:r>
+                        <a:rPr lang="en-US" altLang="ko-KR" sz="1050" dirty="0" smtClean="0">
+                          <a:solidFill>
+                            <a:srgbClr val="FF0000"/>
+                          </a:solidFill>
+                        </a:rPr>
+                        <a:t>INT</a:t>
+                      </a:r>
+                      <a:r>
+                        <a:rPr lang="en-US" altLang="ko-KR" sz="1050" baseline="0" dirty="0" smtClean="0">
+                          <a:solidFill>
+                            <a:srgbClr val="FF0000"/>
+                          </a:solidFill>
+                        </a:rPr>
+                        <a:t> </a:t>
+                      </a:r>
+                      <a:r>
+                        <a:rPr lang="en-US" altLang="ko-KR" sz="1050" dirty="0" smtClean="0">
+                          <a:solidFill>
+                            <a:schemeClr val="accent6">
+                              <a:lumMod val="50000"/>
+                            </a:schemeClr>
+                          </a:solidFill>
+                        </a:rPr>
+                        <a:t>PK</a:t>
+                      </a:r>
+                      <a:endParaRPr lang="ko-KR" altLang="en-US" sz="1050" dirty="0">
+                        <a:solidFill>
+                          <a:srgbClr val="FF0000"/>
+                        </a:solidFill>
+                      </a:endParaRPr>
+                    </a:p>
+                  </a:txBody>
+                  <a:tcPr>
+                    <a:lnL w="12700" cap="flat" cmpd="sng" algn="ctr">
+                      <a:noFill/>
+                      <a:prstDash val="solid"/>
+                      <a:round/>
+                      <a:headEnd type="none" w="med" len="med"/>
+                      <a:tailEnd type="none" w="med" len="med"/>
+                    </a:lnL>
+                    <a:lnR w="12700" cap="flat" cmpd="sng" algn="ctr">
+                      <a:noFill/>
+                      <a:prstDash val="solid"/>
+                      <a:round/>
+                      <a:headEnd type="none" w="med" len="med"/>
+                      <a:tailEnd type="none" w="med" len="med"/>
+                    </a:lnR>
+                    <a:lnT w="6350" cap="flat" cmpd="sng" algn="ctr">
+                      <a:noFill/>
+                      <a:prstDash val="solid"/>
+                      <a:miter lim="800000"/>
+                    </a:lnT>
+                    <a:lnB w="6350" cap="flat" cmpd="sng" algn="ctr">
+                      <a:noFill/>
+                      <a:prstDash val="solid"/>
+                      <a:miter lim="800000"/>
+                    </a:lnB>
+                    <a:lnTlToBr w="12700" cmpd="sng">
+                      <a:noFill/>
+                      <a:prstDash val="solid"/>
+                    </a:lnTlToBr>
+                    <a:lnBlToTr w="12700" cmpd="sng">
+                      <a:noFill/>
+                      <a:prstDash val="solid"/>
+                    </a:lnBlToTr>
+                  </a:tcPr>
+                </a:tc>
+                <a:extLst>
+                  <a:ext uri="{0D108BD9-81ED-4DB2-BD59-A6C34878D82A}">
+                    <a16:rowId xmlns:a16="http://schemas.microsoft.com/office/drawing/2014/main" val="2661018333"/>
+                  </a:ext>
+                </a:extLst>
+              </a:tr>
+              <a:tr h="213603">
+                <a:tc>
+                  <a:txBody>
+                    <a:bodyPr/>
+                    <a:lstStyle/>
+                    <a:p>
+                      <a:pPr latinLnBrk="1"/>
+                      <a:r>
+                        <a:rPr lang="ko-KR" altLang="en-US" sz="1050" dirty="0" smtClean="0"/>
+                        <a:t>스트리밍</a:t>
+                      </a:r>
+                      <a:r>
+                        <a:rPr lang="en-US" altLang="ko-KR" sz="1050" dirty="0" smtClean="0"/>
+                        <a:t>ID </a:t>
+                      </a:r>
+                      <a:r>
+                        <a:rPr lang="en-US" altLang="ko-KR" sz="1050" dirty="0" smtClean="0">
+                          <a:solidFill>
+                            <a:srgbClr val="FF0000"/>
+                          </a:solidFill>
+                        </a:rPr>
+                        <a:t>VARCHAR</a:t>
+                      </a:r>
+                      <a:endParaRPr lang="ko-KR" altLang="en-US" sz="1050" dirty="0">
+                        <a:solidFill>
+                          <a:srgbClr val="FF0000"/>
+                        </a:solidFill>
+                      </a:endParaRPr>
+                    </a:p>
+                  </a:txBody>
+                  <a:tcPr>
+                    <a:lnL w="12700" cap="flat" cmpd="sng" algn="ctr">
+                      <a:noFill/>
+                      <a:prstDash val="solid"/>
+                      <a:round/>
+                      <a:headEnd type="none" w="med" len="med"/>
+                      <a:tailEnd type="none" w="med" len="med"/>
+                    </a:lnL>
+                    <a:lnR w="12700" cap="flat" cmpd="sng" algn="ctr">
+                      <a:noFill/>
+                      <a:prstDash val="solid"/>
+                      <a:round/>
+                      <a:headEnd type="none" w="med" len="med"/>
+                      <a:tailEnd type="none" w="med" len="med"/>
+                    </a:lnR>
+                    <a:lnT w="6350" cap="flat" cmpd="sng" algn="ctr">
+                      <a:noFill/>
+                      <a:prstDash val="solid"/>
+                      <a:miter lim="800000"/>
+                    </a:lnT>
+                    <a:lnB w="6350" cap="flat" cmpd="sng" algn="ctr">
+                      <a:noFill/>
+                      <a:prstDash val="solid"/>
+                      <a:miter lim="800000"/>
+                    </a:lnB>
+                    <a:lnTlToBr w="12700" cmpd="sng">
+                      <a:noFill/>
+                      <a:prstDash val="solid"/>
+                    </a:lnTlToBr>
+                    <a:lnBlToTr w="12700" cmpd="sng">
+                      <a:noFill/>
+                      <a:prstDash val="solid"/>
+                    </a:lnBlToTr>
+                  </a:tcPr>
+                </a:tc>
+                <a:extLst>
+                  <a:ext uri="{0D108BD9-81ED-4DB2-BD59-A6C34878D82A}">
+                    <a16:rowId xmlns:a16="http://schemas.microsoft.com/office/drawing/2014/main" val="3879632459"/>
+                  </a:ext>
+                </a:extLst>
+              </a:tr>
+              <a:tr h="213603">
                 <a:tc>
                   <a:txBody>
                     <a:bodyPr/>
@@ -8042,22 +8075,30 @@
                         <a:defRPr/>
                       </a:pPr>
                       <a:r>
-                        <a:rPr lang="ko-KR" altLang="en-US" sz="1100" dirty="0" smtClean="0">
+                        <a:rPr lang="ko-KR" altLang="en-US" sz="1050" dirty="0" smtClean="0">
                           <a:solidFill>
                             <a:schemeClr val="tx1"/>
                           </a:solidFill>
                         </a:rPr>
-                        <a:t>시간 정보 </a:t>
-                      </a:r>
-                      <a:r>
-                        <a:rPr lang="en-US" altLang="ko-KR" sz="1100" dirty="0" smtClean="0">
-                          <a:solidFill>
-                            <a:srgbClr val="FF0000"/>
-                          </a:solidFill>
-                        </a:rPr>
-                        <a:t>VARCHAR</a:t>
-                      </a:r>
-                      <a:endParaRPr lang="ko-KR" altLang="en-US" sz="1100" dirty="0" smtClean="0">
+                        <a:t>시청자 수</a:t>
+                      </a:r>
+                      <a:r>
+                        <a:rPr lang="ko-KR" altLang="en-US" sz="1050" dirty="0" smtClean="0">
+                          <a:solidFill>
+                            <a:srgbClr val="FF0000"/>
+                          </a:solidFill>
+                        </a:rPr>
+                        <a:t> </a:t>
+                      </a:r>
+                      <a:r>
+                        <a:rPr lang="en-US" altLang="ko-KR" sz="1050" dirty="0" smtClean="0">
+                          <a:solidFill>
+                            <a:srgbClr val="FF0000"/>
+                          </a:solidFill>
+                        </a:rPr>
+                        <a:t>INT</a:t>
+                      </a:r>
+                      <a:endParaRPr lang="ko-KR" altLang="en-US" sz="1050" dirty="0" smtClean="0">
                         <a:solidFill>
                           <a:srgbClr val="FF0000"/>
                         </a:solidFill>
@@ -8103,7 +8144,298 @@
                 </a:tc>
                 <a:extLst>
                   <a:ext uri="{0D108BD9-81ED-4DB2-BD59-A6C34878D82A}">
+                    <a16:rowId xmlns:a16="http://schemas.microsoft.com/office/drawing/2014/main" val="1332438112"/>
+                  </a:ext>
+                </a:extLst>
+              </a:tr>
+              <a:tr h="213603">
+                <a:tc>
+                  <a:txBody>
+                    <a:bodyPr/>
+                    <a:lstStyle/>
+                    <a:p>
+                      <a:pPr marL="0" marR="0" indent="0" algn="l" defTabSz="914400" rtl="0" eaLnBrk="1" fontAlgn="auto" latinLnBrk="1" hangingPunct="1">
+                        <a:lnSpc>
+                          <a:spcPct val="100000"/>
+                        </a:lnSpc>
+                        <a:spcBef>
+                          <a:spcPts val="0"/>
+                        </a:spcBef>
+                        <a:spcAft>
+                          <a:spcPts val="0"/>
+                        </a:spcAft>
+                        <a:buClrTx/>
+                        <a:buSzTx/>
+                        <a:buFontTx/>
+                        <a:buNone/>
+                        <a:tabLst/>
+                        <a:defRPr/>
+                      </a:pPr>
+                      <a:r>
+                        <a:rPr lang="ko-KR" altLang="en-US" sz="1050" dirty="0" smtClean="0">
+                          <a:solidFill>
+                            <a:schemeClr val="tx1"/>
+                          </a:solidFill>
+                        </a:rPr>
+                        <a:t>시간 정보 </a:t>
+                      </a:r>
+                      <a:r>
+                        <a:rPr lang="en-US" altLang="ko-KR" sz="1050" dirty="0" smtClean="0">
+                          <a:solidFill>
+                            <a:srgbClr val="FF0000"/>
+                          </a:solidFill>
+                        </a:rPr>
+                        <a:t>VARCHAR</a:t>
+                      </a:r>
+                      <a:endParaRPr lang="ko-KR" altLang="en-US" sz="1050" dirty="0" smtClean="0">
+                        <a:solidFill>
+                          <a:srgbClr val="FF0000"/>
+                        </a:solidFill>
+                      </a:endParaRPr>
+                    </a:p>
+                  </a:txBody>
+                  <a:tcPr>
+                    <a:lnL w="12700" cap="flat" cmpd="sng" algn="ctr">
+                      <a:noFill/>
+                      <a:prstDash val="solid"/>
+                      <a:round/>
+                      <a:headEnd type="none" w="med" len="med"/>
+                      <a:tailEnd type="none" w="med" len="med"/>
+                    </a:lnL>
+                    <a:lnR w="12700" cap="flat" cmpd="sng" algn="ctr">
+                      <a:noFill/>
+                      <a:prstDash val="solid"/>
+                      <a:round/>
+                      <a:headEnd type="none" w="med" len="med"/>
+                      <a:tailEnd type="none" w="med" len="med"/>
+                    </a:lnR>
+                    <a:lnT w="6350" cap="flat" cmpd="sng" algn="ctr">
+                      <a:noFill/>
+                      <a:prstDash val="solid"/>
+                      <a:miter lim="800000"/>
+                    </a:lnT>
+                    <a:lnB w="12700" cap="flat" cmpd="sng" algn="ctr">
+                      <a:noFill/>
+                      <a:prstDash val="solid"/>
+                      <a:round/>
+                      <a:headEnd type="none" w="med" len="med"/>
+                      <a:tailEnd type="none" w="med" len="med"/>
+                    </a:lnB>
+                    <a:lnTlToBr w="12700" cmpd="sng">
+                      <a:noFill/>
+                      <a:prstDash val="solid"/>
+                    </a:lnTlToBr>
+                    <a:lnBlToTr w="12700" cmpd="sng">
+                      <a:noFill/>
+                      <a:prstDash val="solid"/>
+                    </a:lnBlToTr>
+                  </a:tcPr>
+                </a:tc>
+                <a:extLst>
+                  <a:ext uri="{0D108BD9-81ED-4DB2-BD59-A6C34878D82A}">
                     <a16:rowId xmlns:a16="http://schemas.microsoft.com/office/drawing/2014/main" val="1089086724"/>
+                  </a:ext>
+                </a:extLst>
+              </a:tr>
+              <a:tr h="213603">
+                <a:tc>
+                  <a:txBody>
+                    <a:bodyPr/>
+                    <a:lstStyle/>
+                    <a:p>
+                      <a:pPr marL="0" marR="0" indent="0" algn="l" defTabSz="914400" rtl="0" eaLnBrk="1" fontAlgn="auto" latinLnBrk="1" hangingPunct="1">
+                        <a:lnSpc>
+                          <a:spcPct val="100000"/>
+                        </a:lnSpc>
+                        <a:spcBef>
+                          <a:spcPts val="0"/>
+                        </a:spcBef>
+                        <a:spcAft>
+                          <a:spcPts val="0"/>
+                        </a:spcAft>
+                        <a:buClrTx/>
+                        <a:buSzTx/>
+                        <a:buFontTx/>
+                        <a:buNone/>
+                        <a:tabLst/>
+                        <a:defRPr/>
+                      </a:pPr>
+                      <a:r>
+                        <a:rPr lang="ko-KR" altLang="en-US" sz="1050" dirty="0" smtClean="0">
+                          <a:solidFill>
+                            <a:schemeClr val="tx1"/>
+                          </a:solidFill>
+                        </a:rPr>
+                        <a:t>방송 제목</a:t>
+                      </a:r>
+                      <a:r>
+                        <a:rPr lang="ko-KR" altLang="en-US" sz="1050" dirty="0" smtClean="0">
+                          <a:solidFill>
+                            <a:srgbClr val="FF0000"/>
+                          </a:solidFill>
+                        </a:rPr>
+                        <a:t> </a:t>
+                      </a:r>
+                      <a:r>
+                        <a:rPr lang="en-US" altLang="ko-KR" sz="1050" dirty="0" smtClean="0">
+                          <a:solidFill>
+                            <a:srgbClr val="FF0000"/>
+                          </a:solidFill>
+                        </a:rPr>
+                        <a:t>VARCHAR</a:t>
+                      </a:r>
+                      <a:endParaRPr lang="ko-KR" altLang="en-US" sz="1050" dirty="0" smtClean="0">
+                        <a:solidFill>
+                          <a:srgbClr val="FF0000"/>
+                        </a:solidFill>
+                      </a:endParaRPr>
+                    </a:p>
+                  </a:txBody>
+                  <a:tcPr>
+                    <a:lnL w="12700" cap="flat" cmpd="sng" algn="ctr">
+                      <a:noFill/>
+                      <a:prstDash val="solid"/>
+                      <a:round/>
+                      <a:headEnd type="none" w="med" len="med"/>
+                      <a:tailEnd type="none" w="med" len="med"/>
+                    </a:lnL>
+                    <a:lnR w="12700" cap="flat" cmpd="sng" algn="ctr">
+                      <a:noFill/>
+                      <a:prstDash val="solid"/>
+                      <a:round/>
+                      <a:headEnd type="none" w="med" len="med"/>
+                      <a:tailEnd type="none" w="med" len="med"/>
+                    </a:lnR>
+                    <a:lnT w="6350" cap="flat" cmpd="sng" algn="ctr">
+                      <a:noFill/>
+                      <a:prstDash val="solid"/>
+                      <a:miter lim="800000"/>
+                    </a:lnT>
+                    <a:lnB w="12700" cap="flat" cmpd="sng" algn="ctr">
+                      <a:noFill/>
+                      <a:prstDash val="solid"/>
+                      <a:round/>
+                      <a:headEnd type="none" w="med" len="med"/>
+                      <a:tailEnd type="none" w="med" len="med"/>
+                    </a:lnB>
+                    <a:lnTlToBr w="12700" cmpd="sng">
+                      <a:noFill/>
+                      <a:prstDash val="solid"/>
+                    </a:lnTlToBr>
+                    <a:lnBlToTr w="12700" cmpd="sng">
+                      <a:noFill/>
+                      <a:prstDash val="solid"/>
+                    </a:lnBlToTr>
+                  </a:tcPr>
+                </a:tc>
+                <a:extLst>
+                  <a:ext uri="{0D108BD9-81ED-4DB2-BD59-A6C34878D82A}">
+                    <a16:rowId xmlns:a16="http://schemas.microsoft.com/office/drawing/2014/main" val="1542170880"/>
+                  </a:ext>
+                </a:extLst>
+              </a:tr>
+              <a:tr h="213603">
+                <a:tc>
+                  <a:txBody>
+                    <a:bodyPr/>
+                    <a:lstStyle/>
+                    <a:p>
+                      <a:pPr marL="0" marR="0" indent="0" algn="l" defTabSz="914400" rtl="0" eaLnBrk="1" fontAlgn="auto" latinLnBrk="1" hangingPunct="1">
+                        <a:lnSpc>
+                          <a:spcPct val="100000"/>
+                        </a:lnSpc>
+                        <a:spcBef>
+                          <a:spcPts val="0"/>
+                        </a:spcBef>
+                        <a:spcAft>
+                          <a:spcPts val="0"/>
+                        </a:spcAft>
+                        <a:buClrTx/>
+                        <a:buSzTx/>
+                        <a:buFontTx/>
+                        <a:buNone/>
+                        <a:tabLst/>
+                        <a:defRPr/>
+                      </a:pPr>
+                      <a:r>
+                        <a:rPr lang="ko-KR" altLang="en-US" sz="1050" dirty="0" smtClean="0">
+                          <a:solidFill>
+                            <a:schemeClr val="tx1"/>
+                          </a:solidFill>
+                        </a:rPr>
+                        <a:t>게임</a:t>
+                      </a:r>
+                      <a:r>
+                        <a:rPr lang="en-US" altLang="ko-KR" sz="1050" baseline="0" dirty="0" smtClean="0">
+                          <a:solidFill>
+                            <a:schemeClr val="tx1"/>
+                          </a:solidFill>
+                        </a:rPr>
+                        <a:t>id</a:t>
+                      </a:r>
+                      <a:r>
+                        <a:rPr lang="en-US" altLang="ko-KR" sz="1050" baseline="0" dirty="0" smtClean="0">
+                          <a:solidFill>
+                            <a:srgbClr val="FF0000"/>
+                          </a:solidFill>
+                        </a:rPr>
+                        <a:t> </a:t>
+                      </a:r>
+                      <a:r>
+                        <a:rPr lang="en-US" altLang="ko-KR" sz="1050" dirty="0" smtClean="0">
+                          <a:solidFill>
+                            <a:srgbClr val="FF0000"/>
+                          </a:solidFill>
+                        </a:rPr>
+                        <a:t>VARCHAR</a:t>
+                      </a:r>
+                      <a:endParaRPr lang="ko-KR" altLang="en-US" sz="1050" dirty="0" smtClean="0">
+                        <a:solidFill>
+                          <a:srgbClr val="FF0000"/>
+                        </a:solidFill>
+                      </a:endParaRPr>
+                    </a:p>
+                  </a:txBody>
+                  <a:tcPr>
+                    <a:lnL w="12700" cap="flat" cmpd="sng" algn="ctr">
+                      <a:noFill/>
+                      <a:prstDash val="solid"/>
+                      <a:round/>
+                      <a:headEnd type="none" w="med" len="med"/>
+                      <a:tailEnd type="none" w="med" len="med"/>
+                    </a:lnL>
+                    <a:lnR w="12700" cap="flat" cmpd="sng" algn="ctr">
+                      <a:noFill/>
+                      <a:prstDash val="solid"/>
+                      <a:round/>
+                      <a:headEnd type="none" w="med" len="med"/>
+                      <a:tailEnd type="none" w="med" len="med"/>
+                    </a:lnR>
+                    <a:lnT w="6350" cap="flat" cmpd="sng" algn="ctr">
+                      <a:noFill/>
+                      <a:prstDash val="solid"/>
+                      <a:miter lim="800000"/>
+                    </a:lnT>
+                    <a:lnB w="12700" cap="flat" cmpd="sng" algn="ctr">
+                      <a:noFill/>
+                      <a:prstDash val="solid"/>
+                      <a:round/>
+                      <a:headEnd type="none" w="med" len="med"/>
+                      <a:tailEnd type="none" w="med" len="med"/>
+                    </a:lnB>
+                    <a:lnTlToBr w="12700" cmpd="sng">
+                      <a:noFill/>
+                      <a:prstDash val="solid"/>
+                    </a:lnTlToBr>
+                    <a:lnBlToTr w="12700" cmpd="sng">
+                      <a:noFill/>
+                      <a:prstDash val="solid"/>
+                    </a:lnBlToTr>
+                  </a:tcPr>
+                </a:tc>
+                <a:extLst>
+                  <a:ext uri="{0D108BD9-81ED-4DB2-BD59-A6C34878D82A}">
+                    <a16:rowId xmlns:a16="http://schemas.microsoft.com/office/drawing/2014/main" val="676593829"/>
                   </a:ext>
                 </a:extLst>
               </a:tr>
